--- a/Lectures/Lesson 11 - Concurrency.pptx
+++ b/Lectures/Lesson 11 - Concurrency.pptx
@@ -1170,7 +1170,7 @@
         </p:nvSpPr>
         <p:spPr>
           <a:xfrm>
-            <a:off x="381300" y="685800"/>
+            <a:off x="381000" y="685800"/>
             <a:ext cx="6096000" cy="3429000"/>
           </a:xfrm>
           <a:custGeom>
@@ -2390,7 +2390,7 @@
         </p:nvSpPr>
         <p:spPr>
           <a:xfrm>
-            <a:off x="381300" y="685800"/>
+            <a:off x="381000" y="685800"/>
             <a:ext cx="6096000" cy="3429000"/>
           </a:xfrm>
           <a:custGeom>
@@ -2512,7 +2512,7 @@
         </p:nvSpPr>
         <p:spPr>
           <a:xfrm>
-            <a:off x="381300" y="685800"/>
+            <a:off x="381000" y="685800"/>
             <a:ext cx="6096000" cy="3429000"/>
           </a:xfrm>
           <a:custGeom>
@@ -2756,7 +2756,7 @@
         </p:nvSpPr>
         <p:spPr>
           <a:xfrm>
-            <a:off x="381300" y="685800"/>
+            <a:off x="381000" y="685800"/>
             <a:ext cx="6096000" cy="3429000"/>
           </a:xfrm>
           <a:custGeom>
@@ -2878,7 +2878,7 @@
         </p:nvSpPr>
         <p:spPr>
           <a:xfrm>
-            <a:off x="381300" y="685800"/>
+            <a:off x="381000" y="685800"/>
             <a:ext cx="6096000" cy="3429000"/>
           </a:xfrm>
           <a:custGeom>
@@ -3610,7 +3610,7 @@
         </p:nvSpPr>
         <p:spPr>
           <a:xfrm>
-            <a:off x="381300" y="685800"/>
+            <a:off x="381000" y="685800"/>
             <a:ext cx="6096000" cy="3429000"/>
           </a:xfrm>
           <a:custGeom>
@@ -4098,7 +4098,7 @@
         </p:nvSpPr>
         <p:spPr>
           <a:xfrm>
-            <a:off x="381300" y="685800"/>
+            <a:off x="381000" y="685800"/>
             <a:ext cx="6096000" cy="3429000"/>
           </a:xfrm>
           <a:custGeom>
@@ -4586,7 +4586,7 @@
         </p:nvSpPr>
         <p:spPr>
           <a:xfrm>
-            <a:off x="381300" y="685800"/>
+            <a:off x="381000" y="685800"/>
             <a:ext cx="6096000" cy="3429000"/>
           </a:xfrm>
           <a:custGeom>
@@ -4952,7 +4952,7 @@
         </p:nvSpPr>
         <p:spPr>
           <a:xfrm>
-            <a:off x="381300" y="685800"/>
+            <a:off x="381000" y="685800"/>
             <a:ext cx="6096000" cy="3429000"/>
           </a:xfrm>
           <a:custGeom>
@@ -5196,7 +5196,7 @@
         </p:nvSpPr>
         <p:spPr>
           <a:xfrm>
-            <a:off x="381300" y="685800"/>
+            <a:off x="381000" y="685800"/>
             <a:ext cx="6096000" cy="3429000"/>
           </a:xfrm>
           <a:custGeom>
@@ -5684,7 +5684,7 @@
         </p:nvSpPr>
         <p:spPr>
           <a:xfrm>
-            <a:off x="381300" y="685800"/>
+            <a:off x="381000" y="685800"/>
             <a:ext cx="6096000" cy="3429000"/>
           </a:xfrm>
           <a:custGeom>
@@ -5928,7 +5928,7 @@
         </p:nvSpPr>
         <p:spPr>
           <a:xfrm>
-            <a:off x="381300" y="685800"/>
+            <a:off x="381000" y="685800"/>
             <a:ext cx="6096000" cy="3429000"/>
           </a:xfrm>
           <a:custGeom>
@@ -6294,7 +6294,7 @@
         </p:nvSpPr>
         <p:spPr>
           <a:xfrm>
-            <a:off x="381300" y="685800"/>
+            <a:off x="381000" y="685800"/>
             <a:ext cx="6096000" cy="3429000"/>
           </a:xfrm>
           <a:custGeom>
@@ -14812,7 +14812,7 @@
         </p:spPr>
         <p:txBody>
           <a:bodyPr spcFirstLastPara="1" wrap="square" lIns="91425" tIns="91425" rIns="91425" bIns="91425" anchor="t" anchorCtr="0">
-            <a:normAutofit fontScale="77500" lnSpcReduction="20000"/>
+            <a:normAutofit fontScale="85000" lnSpcReduction="10000"/>
           </a:bodyPr>
           <a:lstStyle/>
           <a:p>
@@ -16626,7 +16626,7 @@
         <p:spPr>
           <a:xfrm>
             <a:off x="3853450" y="1017725"/>
-            <a:ext cx="4978846" cy="3820975"/>
+            <a:ext cx="4978846" cy="3822191"/>
           </a:xfrm>
           <a:prstGeom prst="rect">
             <a:avLst/>
@@ -17144,30 +17144,49 @@
       </p:sp>
       <p:pic>
         <p:nvPicPr>
-          <p:cNvPr id="207" name="Google Shape;207;p33"/>
-          <p:cNvPicPr preferRelativeResize="0"/>
+          <p:cNvPr id="2052" name="Picture 4">
+            <a:extLst>
+              <a:ext uri="{FF2B5EF4-FFF2-40B4-BE49-F238E27FC236}">
+                <a16:creationId xmlns:a16="http://schemas.microsoft.com/office/drawing/2014/main" id="{D1705DAF-0C14-A1B3-34F6-822958DA27F9}"/>
+              </a:ext>
+            </a:extLst>
+          </p:cNvPr>
+          <p:cNvPicPr>
+            <a:picLocks noChangeAspect="1" noChangeArrowheads="1"/>
+          </p:cNvPicPr>
           <p:nvPr/>
         </p:nvPicPr>
         <p:blipFill>
           <a:blip r:embed="rId3">
-            <a:alphaModFix/>
+            <a:extLst>
+              <a:ext uri="{28A0092B-C50C-407E-A947-70E740481C1C}">
+                <a14:useLocalDpi xmlns:a14="http://schemas.microsoft.com/office/drawing/2010/main" val="0"/>
+              </a:ext>
+            </a:extLst>
           </a:blip>
+          <a:srcRect/>
           <a:stretch>
             <a:fillRect/>
           </a:stretch>
         </p:blipFill>
-        <p:spPr>
+        <p:spPr bwMode="auto">
           <a:xfrm>
-            <a:off x="3857554" y="1017725"/>
-            <a:ext cx="4995369" cy="3820975"/>
+            <a:off x="3695176" y="865866"/>
+            <a:ext cx="5307899" cy="4119467"/>
           </a:xfrm>
           <a:prstGeom prst="rect">
             <a:avLst/>
           </a:prstGeom>
           <a:noFill/>
-          <a:ln>
-            <a:noFill/>
-          </a:ln>
+          <a:extLst>
+            <a:ext uri="{909E8E84-426E-40DD-AFC4-6F175D3DCCD1}">
+              <a14:hiddenFill xmlns:a14="http://schemas.microsoft.com/office/drawing/2010/main">
+                <a:solidFill>
+                  <a:srgbClr val="FFFFFF"/>
+                </a:solidFill>
+              </a14:hiddenFill>
+            </a:ext>
+          </a:extLst>
         </p:spPr>
       </p:pic>
     </p:spTree>
@@ -17498,7 +17517,7 @@
         </p:spPr>
         <p:txBody>
           <a:bodyPr spcFirstLastPara="1" wrap="square" lIns="91425" tIns="91425" rIns="91425" bIns="91425" anchor="t" anchorCtr="0">
-            <a:normAutofit fontScale="92500" lnSpcReduction="20000"/>
+            <a:normAutofit fontScale="62500" lnSpcReduction="20000"/>
           </a:bodyPr>
           <a:lstStyle/>
           <a:p>
@@ -17658,7 +17677,7 @@
         </p:spPr>
         <p:txBody>
           <a:bodyPr spcFirstLastPara="1" wrap="square" lIns="91425" tIns="91425" rIns="91425" bIns="91425" anchor="t" anchorCtr="0">
-            <a:normAutofit fontScale="92500" lnSpcReduction="20000"/>
+            <a:normAutofit fontScale="62500" lnSpcReduction="20000"/>
           </a:bodyPr>
           <a:lstStyle/>
           <a:p>
@@ -17866,30 +17885,49 @@
       </p:sp>
       <p:pic>
         <p:nvPicPr>
-          <p:cNvPr id="232" name="Google Shape;232;p36"/>
-          <p:cNvPicPr preferRelativeResize="0"/>
+          <p:cNvPr id="1030" name="Picture 6">
+            <a:extLst>
+              <a:ext uri="{FF2B5EF4-FFF2-40B4-BE49-F238E27FC236}">
+                <a16:creationId xmlns:a16="http://schemas.microsoft.com/office/drawing/2014/main" id="{49227962-8979-58CB-19C6-0F340A315281}"/>
+              </a:ext>
+            </a:extLst>
+          </p:cNvPr>
+          <p:cNvPicPr>
+            <a:picLocks noChangeAspect="1" noChangeArrowheads="1"/>
+          </p:cNvPicPr>
           <p:nvPr/>
         </p:nvPicPr>
         <p:blipFill>
           <a:blip r:embed="rId3">
-            <a:alphaModFix/>
+            <a:extLst>
+              <a:ext uri="{28A0092B-C50C-407E-A947-70E740481C1C}">
+                <a14:useLocalDpi xmlns:a14="http://schemas.microsoft.com/office/drawing/2010/main" val="0"/>
+              </a:ext>
+            </a:extLst>
           </a:blip>
+          <a:srcRect/>
           <a:stretch>
             <a:fillRect/>
           </a:stretch>
         </p:blipFill>
-        <p:spPr>
+        <p:spPr bwMode="auto">
           <a:xfrm>
-            <a:off x="2042200" y="1017725"/>
-            <a:ext cx="4995387" cy="3820975"/>
+            <a:off x="1995073" y="1017725"/>
+            <a:ext cx="5153853" cy="4029960"/>
           </a:xfrm>
           <a:prstGeom prst="rect">
             <a:avLst/>
           </a:prstGeom>
           <a:noFill/>
-          <a:ln>
-            <a:noFill/>
-          </a:ln>
+          <a:extLst>
+            <a:ext uri="{909E8E84-426E-40DD-AFC4-6F175D3DCCD1}">
+              <a14:hiddenFill xmlns:a14="http://schemas.microsoft.com/office/drawing/2010/main">
+                <a:solidFill>
+                  <a:srgbClr val="FFFFFF"/>
+                </a:solidFill>
+              </a14:hiddenFill>
+            </a:ext>
+          </a:extLst>
         </p:spPr>
       </p:pic>
     </p:spTree>
@@ -22097,7 +22135,7 @@
         </p:spPr>
         <p:txBody>
           <a:bodyPr spcFirstLastPara="1" wrap="square" lIns="91425" tIns="91425" rIns="91425" bIns="91425" anchor="t" anchorCtr="0">
-            <a:normAutofit/>
+            <a:normAutofit fontScale="77500" lnSpcReduction="20000"/>
           </a:bodyPr>
           <a:lstStyle/>
           <a:p>
@@ -22990,7 +23028,7 @@
         </p:spPr>
         <p:txBody>
           <a:bodyPr spcFirstLastPara="1" wrap="square" lIns="91425" tIns="91425" rIns="91425" bIns="91425" anchor="t" anchorCtr="0">
-            <a:normAutofit fontScale="92500" lnSpcReduction="20000"/>
+            <a:normAutofit lnSpcReduction="10000"/>
           </a:bodyPr>
           <a:lstStyle/>
           <a:p>
@@ -24262,7 +24300,7 @@
         </p:spPr>
         <p:txBody>
           <a:bodyPr spcFirstLastPara="1" wrap="square" lIns="91425" tIns="91425" rIns="91425" bIns="91425" anchor="t" anchorCtr="0">
-            <a:normAutofit fontScale="92500" lnSpcReduction="10000"/>
+            <a:normAutofit fontScale="92500" lnSpcReduction="20000"/>
           </a:bodyPr>
           <a:lstStyle/>
           <a:p>
@@ -24844,7 +24882,7 @@
         </p:spPr>
         <p:txBody>
           <a:bodyPr spcFirstLastPara="1" wrap="square" lIns="91425" tIns="91425" rIns="91425" bIns="91425" anchor="t" anchorCtr="0">
-            <a:normAutofit/>
+            <a:normAutofit fontScale="77500" lnSpcReduction="20000"/>
           </a:bodyPr>
           <a:lstStyle/>
           <a:p>
@@ -25217,7 +25255,7 @@
         </p:spPr>
         <p:txBody>
           <a:bodyPr spcFirstLastPara="1" wrap="square" lIns="91425" tIns="91425" rIns="91425" bIns="91425" anchor="t" anchorCtr="0">
-            <a:normAutofit fontScale="77500"/>
+            <a:normAutofit fontScale="85000" lnSpcReduction="20000"/>
           </a:bodyPr>
           <a:lstStyle/>
           <a:p>
@@ -27797,7 +27835,7 @@
               <a:buChar char="●"/>
             </a:pPr>
             <a:r>
-              <a:rPr lang="ru" b="1">
+              <a:rPr lang="en-US" b="1" dirty="0">
                 <a:solidFill>
                   <a:schemeClr val="hlink"/>
                 </a:solidFill>
@@ -27806,92 +27844,20 @@
                 </a:uFill>
                 <a:hlinkClick r:id="rId3"/>
               </a:rPr>
-              <a:t>Concurrency</a:t>
+              <a:t>Multithreading</a:t>
             </a:r>
             <a:r>
-              <a:rPr lang="ru" b="1"/>
-              <a:t> (by Baeldung)</a:t>
-            </a:r>
-            <a:endParaRPr b="1"/>
-          </a:p>
-          <a:p>
-            <a:pPr marL="457200" lvl="0" indent="-342900" algn="l" rtl="0">
-              <a:lnSpc>
-                <a:spcPct val="150000"/>
-              </a:lnSpc>
-              <a:spcBef>
-                <a:spcPts val="0"/>
-              </a:spcBef>
-              <a:spcAft>
-                <a:spcPts val="0"/>
-              </a:spcAft>
-              <a:buSzPts val="1800"/>
-              <a:buChar char="●"/>
-            </a:pPr>
-            <a:r>
-              <a:rPr lang="ru" b="1">
+              <a:rPr lang="en-US" b="1" dirty="0">
                 <a:solidFill>
                   <a:schemeClr val="hlink"/>
                 </a:solidFill>
                 <a:uFill>
                   <a:noFill/>
                 </a:uFill>
-                <a:hlinkClick r:id="rId4"/>
               </a:rPr>
-              <a:t>Concurrency</a:t>
+              <a:t> </a:t>
             </a:r>
-            <a:r>
-              <a:rPr lang="ru" b="1"/>
-              <a:t> (by Oracle)</a:t>
-            </a:r>
-            <a:endParaRPr b="1"/>
-          </a:p>
-          <a:p>
-            <a:pPr marL="457200" lvl="0" indent="-342900" algn="l" rtl="0">
-              <a:lnSpc>
-                <a:spcPct val="150000"/>
-              </a:lnSpc>
-              <a:spcBef>
-                <a:spcPts val="0"/>
-              </a:spcBef>
-              <a:spcAft>
-                <a:spcPts val="0"/>
-              </a:spcAft>
-              <a:buSzPts val="1800"/>
-              <a:buChar char="●"/>
-            </a:pPr>
-            <a:r>
-              <a:rPr lang="ru" b="1">
-                <a:solidFill>
-                  <a:schemeClr val="hlink"/>
-                </a:solidFill>
-                <a:uFill>
-                  <a:noFill/>
-                </a:uFill>
-                <a:hlinkClick r:id="rId5"/>
-              </a:rPr>
-              <a:t>Concurrency</a:t>
-            </a:r>
-            <a:r>
-              <a:rPr lang="ru" b="1"/>
-              <a:t> (by HowToDoInJava)</a:t>
-            </a:r>
-            <a:endParaRPr b="1"/>
-          </a:p>
-          <a:p>
-            <a:pPr marL="457200" lvl="0" indent="0" algn="l" rtl="0">
-              <a:lnSpc>
-                <a:spcPct val="150000"/>
-              </a:lnSpc>
-              <a:spcBef>
-                <a:spcPts val="1200"/>
-              </a:spcBef>
-              <a:spcAft>
-                <a:spcPts val="1200"/>
-              </a:spcAft>
-              <a:buNone/>
-            </a:pPr>
-            <a:endParaRPr b="1"/>
+            <a:endParaRPr lang="en-US" b="1" dirty="0"/>
           </a:p>
         </p:txBody>
       </p:sp>
@@ -28245,7 +28211,7 @@
         </p:spPr>
         <p:txBody>
           <a:bodyPr spcFirstLastPara="1" wrap="square" lIns="91425" tIns="91425" rIns="91425" bIns="91425" anchor="t" anchorCtr="0">
-            <a:normAutofit/>
+            <a:normAutofit fontScale="77500" lnSpcReduction="20000"/>
           </a:bodyPr>
           <a:lstStyle/>
           <a:p>
@@ -28801,7 +28767,7 @@
         </p:spPr>
         <p:txBody>
           <a:bodyPr spcFirstLastPara="1" wrap="square" lIns="91425" tIns="91425" rIns="91425" bIns="91425" anchor="t" anchorCtr="0">
-            <a:normAutofit lnSpcReduction="10000"/>
+            <a:normAutofit fontScale="92500" lnSpcReduction="10000"/>
           </a:bodyPr>
           <a:lstStyle/>
           <a:p>
@@ -29045,7 +29011,7 @@
         </p:spPr>
         <p:txBody>
           <a:bodyPr spcFirstLastPara="1" wrap="square" lIns="91425" tIns="91425" rIns="91425" bIns="91425" anchor="t" anchorCtr="0">
-            <a:normAutofit/>
+            <a:normAutofit fontScale="85000" lnSpcReduction="20000"/>
           </a:bodyPr>
           <a:lstStyle/>
           <a:p>

--- a/Lectures/Lesson 11 - Concurrency.pptx
+++ b/Lectures/Lesson 11 - Concurrency.pptx
@@ -5,7 +5,7 @@
     <p:sldMasterId id="2147483659" r:id="rId1"/>
   </p:sldMasterIdLst>
   <p:notesMasterIdLst>
-    <p:notesMasterId r:id="rId48"/>
+    <p:notesMasterId r:id="rId49"/>
   </p:notesMasterIdLst>
   <p:sldIdLst>
     <p:sldId id="256" r:id="rId2"/>
@@ -53,24 +53,25 @@
     <p:sldId id="298" r:id="rId44"/>
     <p:sldId id="299" r:id="rId45"/>
     <p:sldId id="300" r:id="rId46"/>
-    <p:sldId id="301" r:id="rId47"/>
+    <p:sldId id="302" r:id="rId47"/>
+    <p:sldId id="301" r:id="rId48"/>
   </p:sldIdLst>
   <p:sldSz cx="9144000" cy="5143500" type="screen16x9"/>
   <p:notesSz cx="6858000" cy="9144000"/>
   <p:embeddedFontLst>
     <p:embeddedFont>
       <p:font typeface="Arial Narrow" panose="020B0604020202020204" pitchFamily="34" charset="0"/>
-      <p:regular r:id="rId49"/>
-      <p:bold r:id="rId50"/>
-      <p:italic r:id="rId51"/>
-      <p:boldItalic r:id="rId52"/>
+      <p:regular r:id="rId50"/>
+      <p:bold r:id="rId51"/>
+      <p:italic r:id="rId52"/>
+      <p:boldItalic r:id="rId53"/>
     </p:embeddedFont>
     <p:embeddedFont>
       <p:font typeface="Lato" panose="020F0502020204030203" pitchFamily="34" charset="0"/>
-      <p:regular r:id="rId53"/>
-      <p:bold r:id="rId54"/>
-      <p:italic r:id="rId55"/>
-      <p:boldItalic r:id="rId56"/>
+      <p:regular r:id="rId54"/>
+      <p:bold r:id="rId55"/>
+      <p:italic r:id="rId56"/>
+      <p:boldItalic r:id="rId57"/>
     </p:embeddedFont>
   </p:embeddedFontLst>
   <p:defaultTextStyle>
@@ -5782,6 +5783,133 @@
   <p:cSld>
     <p:spTree>
       <p:nvGrpSpPr>
+        <p:cNvPr id="1" name="Shape 421"/>
+        <p:cNvGrpSpPr/>
+        <p:nvPr/>
+      </p:nvGrpSpPr>
+      <p:grpSpPr>
+        <a:xfrm>
+          <a:off x="0" y="0"/>
+          <a:ext cx="0" cy="0"/>
+          <a:chOff x="0" y="0"/>
+          <a:chExt cx="0" cy="0"/>
+        </a:xfrm>
+      </p:grpSpPr>
+      <p:sp>
+        <p:nvSpPr>
+          <p:cNvPr id="422" name="Google Shape;422;g1264a41a776_0_472:notes"/>
+          <p:cNvSpPr>
+            <a:spLocks noGrp="1" noRot="1" noChangeAspect="1"/>
+          </p:cNvSpPr>
+          <p:nvPr>
+            <p:ph type="sldImg" idx="2"/>
+          </p:nvPr>
+        </p:nvSpPr>
+        <p:spPr>
+          <a:xfrm>
+            <a:off x="381000" y="685800"/>
+            <a:ext cx="6096000" cy="3429000"/>
+          </a:xfrm>
+          <a:custGeom>
+            <a:avLst/>
+            <a:gdLst/>
+            <a:ahLst/>
+            <a:cxnLst/>
+            <a:rect l="l" t="t" r="r" b="b"/>
+            <a:pathLst>
+              <a:path w="120000" h="120000" extrusionOk="0">
+                <a:moveTo>
+                  <a:pt x="0" y="0"/>
+                </a:moveTo>
+                <a:lnTo>
+                  <a:pt x="120000" y="0"/>
+                </a:lnTo>
+                <a:lnTo>
+                  <a:pt x="120000" y="120000"/>
+                </a:lnTo>
+                <a:lnTo>
+                  <a:pt x="0" y="120000"/>
+                </a:lnTo>
+                <a:close/>
+              </a:path>
+            </a:pathLst>
+          </a:custGeom>
+          <a:noFill/>
+          <a:ln w="9525" cap="flat" cmpd="sng">
+            <a:solidFill>
+              <a:srgbClr val="000000"/>
+            </a:solidFill>
+            <a:prstDash val="solid"/>
+            <a:round/>
+            <a:headEnd type="none" w="sm" len="sm"/>
+            <a:tailEnd type="none" w="sm" len="sm"/>
+          </a:ln>
+        </p:spPr>
+      </p:sp>
+      <p:sp>
+        <p:nvSpPr>
+          <p:cNvPr id="423" name="Google Shape;423;g1264a41a776_0_472:notes"/>
+          <p:cNvSpPr txBox="1">
+            <a:spLocks noGrp="1"/>
+          </p:cNvSpPr>
+          <p:nvPr>
+            <p:ph type="body" idx="1"/>
+          </p:nvPr>
+        </p:nvSpPr>
+        <p:spPr>
+          <a:xfrm>
+            <a:off x="685800" y="4343400"/>
+            <a:ext cx="5486400" cy="4114800"/>
+          </a:xfrm>
+          <a:prstGeom prst="rect">
+            <a:avLst/>
+          </a:prstGeom>
+          <a:noFill/>
+          <a:ln>
+            <a:noFill/>
+          </a:ln>
+        </p:spPr>
+        <p:txBody>
+          <a:bodyPr spcFirstLastPara="1" wrap="square" lIns="91425" tIns="91425" rIns="91425" bIns="91425" anchor="t" anchorCtr="0">
+            <a:noAutofit/>
+          </a:bodyPr>
+          <a:lstStyle/>
+          <a:p>
+            <a:pPr marL="0" lvl="0" indent="0" algn="l" rtl="0">
+              <a:lnSpc>
+                <a:spcPct val="100000"/>
+              </a:lnSpc>
+              <a:spcBef>
+                <a:spcPts val="0"/>
+              </a:spcBef>
+              <a:spcAft>
+                <a:spcPts val="0"/>
+              </a:spcAft>
+              <a:buSzPts val="1100"/>
+              <a:buNone/>
+            </a:pPr>
+            <a:endParaRPr/>
+          </a:p>
+        </p:txBody>
+      </p:sp>
+    </p:spTree>
+    <p:extLst>
+      <p:ext uri="{BB962C8B-B14F-4D97-AF65-F5344CB8AC3E}">
+        <p14:creationId xmlns:p14="http://schemas.microsoft.com/office/powerpoint/2010/main" val="592872676"/>
+      </p:ext>
+    </p:extLst>
+  </p:cSld>
+  <p:clrMapOvr>
+    <a:masterClrMapping/>
+  </p:clrMapOvr>
+</p:notes>
+</file>
+
+<file path=ppt/notesSlides/notesSlide47.xml><?xml version="1.0" encoding="utf-8"?>
+<p:notes xmlns:a="http://schemas.openxmlformats.org/drawingml/2006/main" xmlns:r="http://schemas.openxmlformats.org/officeDocument/2006/relationships" xmlns:p="http://schemas.openxmlformats.org/presentationml/2006/main" showMasterSp="0" showMasterPhAnim="0">
+  <p:cSld>
+    <p:spTree>
+      <p:nvGrpSpPr>
         <p:cNvPr id="1" name="Shape 428"/>
         <p:cNvGrpSpPr/>
         <p:nvPr/>
@@ -5806,7 +5934,7 @@
         </p:nvSpPr>
         <p:spPr>
           <a:xfrm>
-            <a:off x="381300" y="685800"/>
+            <a:off x="381000" y="685800"/>
             <a:ext cx="6096000" cy="3429000"/>
           </a:xfrm>
           <a:custGeom>
@@ -27874,6 +28002,166 @@
   <p:cSld>
     <p:spTree>
       <p:nvGrpSpPr>
+        <p:cNvPr id="1" name="Shape 424"/>
+        <p:cNvGrpSpPr/>
+        <p:nvPr/>
+      </p:nvGrpSpPr>
+      <p:grpSpPr>
+        <a:xfrm>
+          <a:off x="0" y="0"/>
+          <a:ext cx="0" cy="0"/>
+          <a:chOff x="0" y="0"/>
+          <a:chExt cx="0" cy="0"/>
+        </a:xfrm>
+      </p:grpSpPr>
+      <p:sp>
+        <p:nvSpPr>
+          <p:cNvPr id="425" name="Google Shape;425;p57"/>
+          <p:cNvSpPr txBox="1">
+            <a:spLocks noGrp="1"/>
+          </p:cNvSpPr>
+          <p:nvPr>
+            <p:ph type="title"/>
+          </p:nvPr>
+        </p:nvSpPr>
+        <p:spPr>
+          <a:xfrm>
+            <a:off x="311700" y="445025"/>
+            <a:ext cx="8520600" cy="572700"/>
+          </a:xfrm>
+          <a:prstGeom prst="rect">
+            <a:avLst/>
+          </a:prstGeom>
+          <a:noFill/>
+          <a:ln>
+            <a:noFill/>
+          </a:ln>
+        </p:spPr>
+        <p:txBody>
+          <a:bodyPr spcFirstLastPara="1" wrap="square" lIns="91425" tIns="91425" rIns="91425" bIns="91425" anchor="t" anchorCtr="0">
+            <a:normAutofit fontScale="90000"/>
+          </a:bodyPr>
+          <a:lstStyle/>
+          <a:p>
+            <a:pPr marL="0" lvl="0" indent="0" algn="l" rtl="0">
+              <a:lnSpc>
+                <a:spcPct val="100000"/>
+              </a:lnSpc>
+              <a:spcBef>
+                <a:spcPts val="0"/>
+              </a:spcBef>
+              <a:spcAft>
+                <a:spcPts val="0"/>
+              </a:spcAft>
+              <a:buSzPct val="111111"/>
+              <a:buNone/>
+            </a:pPr>
+            <a:r>
+              <a:rPr lang="en-US" dirty="0"/>
+              <a:t>Homework map example</a:t>
+            </a:r>
+            <a:endParaRPr dirty="0"/>
+          </a:p>
+        </p:txBody>
+      </p:sp>
+      <p:sp>
+        <p:nvSpPr>
+          <p:cNvPr id="426" name="Google Shape;426;p57"/>
+          <p:cNvSpPr txBox="1">
+            <a:spLocks noGrp="1"/>
+          </p:cNvSpPr>
+          <p:nvPr>
+            <p:ph type="sldNum" idx="12"/>
+          </p:nvPr>
+        </p:nvSpPr>
+        <p:spPr>
+          <a:xfrm>
+            <a:off x="8472458" y="4663217"/>
+            <a:ext cx="548700" cy="393600"/>
+          </a:xfrm>
+          <a:prstGeom prst="rect">
+            <a:avLst/>
+          </a:prstGeom>
+          <a:noFill/>
+          <a:ln>
+            <a:noFill/>
+          </a:ln>
+        </p:spPr>
+        <p:txBody>
+          <a:bodyPr spcFirstLastPara="1" wrap="square" lIns="91425" tIns="91425" rIns="91425" bIns="91425" anchor="ctr" anchorCtr="0">
+            <a:normAutofit/>
+          </a:bodyPr>
+          <a:lstStyle/>
+          <a:p>
+            <a:pPr marL="0" lvl="0" indent="0" algn="r" rtl="0">
+              <a:lnSpc>
+                <a:spcPct val="100000"/>
+              </a:lnSpc>
+              <a:spcBef>
+                <a:spcPts val="0"/>
+              </a:spcBef>
+              <a:spcAft>
+                <a:spcPts val="0"/>
+              </a:spcAft>
+              <a:buSzPts val="1000"/>
+              <a:buNone/>
+            </a:pPr>
+            <a:fld id="{00000000-1234-1234-1234-123412341234}" type="slidenum">
+              <a:rPr lang="ru"/>
+              <a:t>46</a:t>
+            </a:fld>
+            <a:endParaRPr/>
+          </a:p>
+        </p:txBody>
+      </p:sp>
+      <p:pic>
+        <p:nvPicPr>
+          <p:cNvPr id="5" name="Picture 4">
+            <a:extLst>
+              <a:ext uri="{FF2B5EF4-FFF2-40B4-BE49-F238E27FC236}">
+                <a16:creationId xmlns:a16="http://schemas.microsoft.com/office/drawing/2014/main" id="{41E463E9-8A24-7EB2-3DC2-561CE32BD009}"/>
+              </a:ext>
+            </a:extLst>
+          </p:cNvPr>
+          <p:cNvPicPr>
+            <a:picLocks noChangeAspect="1"/>
+          </p:cNvPicPr>
+          <p:nvPr/>
+        </p:nvPicPr>
+        <p:blipFill>
+          <a:blip r:embed="rId3"/>
+          <a:stretch>
+            <a:fillRect/>
+          </a:stretch>
+        </p:blipFill>
+        <p:spPr>
+          <a:xfrm>
+            <a:off x="1556989" y="106243"/>
+            <a:ext cx="6030022" cy="4950574"/>
+          </a:xfrm>
+          <a:prstGeom prst="rect">
+            <a:avLst/>
+          </a:prstGeom>
+        </p:spPr>
+      </p:pic>
+    </p:spTree>
+    <p:extLst>
+      <p:ext uri="{BB962C8B-B14F-4D97-AF65-F5344CB8AC3E}">
+        <p14:creationId xmlns:p14="http://schemas.microsoft.com/office/powerpoint/2010/main" val="288047570"/>
+      </p:ext>
+    </p:extLst>
+  </p:cSld>
+  <p:clrMapOvr>
+    <a:masterClrMapping/>
+  </p:clrMapOvr>
+</p:sld>
+</file>
+
+<file path=ppt/slides/slide47.xml><?xml version="1.0" encoding="utf-8"?>
+<p:sld xmlns:a="http://schemas.openxmlformats.org/drawingml/2006/main" xmlns:r="http://schemas.openxmlformats.org/officeDocument/2006/relationships" xmlns:p="http://schemas.openxmlformats.org/presentationml/2006/main">
+  <p:cSld>
+    <p:spTree>
+      <p:nvGrpSpPr>
         <p:cNvPr id="1" name="Shape 431"/>
         <p:cNvGrpSpPr/>
         <p:nvPr/>
@@ -28030,7 +28318,7 @@
             </a:pPr>
             <a:fld id="{00000000-1234-1234-1234-123412341234}" type="slidenum">
               <a:rPr lang="ru"/>
-              <a:t>46</a:t>
+              <a:t>47</a:t>
             </a:fld>
             <a:endParaRPr/>
           </a:p>

--- a/Lectures/Lesson 11 - Concurrency.pptx
+++ b/Lectures/Lesson 11 - Concurrency.pptx
@@ -1984,7 +1984,7 @@
               <a:buSzPts val="1100"/>
               <a:buNone/>
             </a:pPr>
-            <a:endParaRPr/>
+            <a:endParaRPr dirty="0"/>
           </a:p>
         </p:txBody>
       </p:sp>
@@ -2350,7 +2350,7 @@
               <a:buSzPts val="1100"/>
               <a:buNone/>
             </a:pPr>
-            <a:endParaRPr/>
+            <a:endParaRPr dirty="0"/>
           </a:p>
         </p:txBody>
       </p:sp>
@@ -3082,7 +3082,7 @@
               <a:buSzPts val="1100"/>
               <a:buNone/>
             </a:pPr>
-            <a:endParaRPr/>
+            <a:endParaRPr dirty="0"/>
           </a:p>
         </p:txBody>
       </p:sp>
@@ -14962,7 +14962,7 @@
               <a:buAutoNum type="arabicPeriod"/>
             </a:pPr>
             <a:r>
-              <a:rPr lang="ru" sz="2400" b="1">
+              <a:rPr lang="ru" sz="2400" b="1" dirty="0">
                 <a:latin typeface="Lato"/>
                 <a:ea typeface="Lato"/>
                 <a:cs typeface="Lato"/>
@@ -14971,7 +14971,7 @@
               <a:t>System </a:t>
             </a:r>
             <a:r>
-              <a:rPr lang="ru" sz="2400">
+              <a:rPr lang="ru" sz="2400" dirty="0">
                 <a:latin typeface="Lato"/>
                 <a:ea typeface="Lato"/>
                 <a:cs typeface="Lato"/>
@@ -14979,7 +14979,7 @@
               </a:rPr>
               <a:t>- created by the JVM and runs in the background of the application (GC). </a:t>
             </a:r>
-            <a:endParaRPr sz="2400">
+            <a:endParaRPr sz="2400" dirty="0">
               <a:latin typeface="Lato"/>
               <a:ea typeface="Lato"/>
               <a:cs typeface="Lato"/>
@@ -15005,7 +15005,7 @@
               <a:buAutoNum type="arabicPeriod"/>
             </a:pPr>
             <a:r>
-              <a:rPr lang="ru" sz="2400" b="1">
+              <a:rPr lang="ru" sz="2400" b="1" dirty="0">
                 <a:latin typeface="Lato"/>
                 <a:ea typeface="Lato"/>
                 <a:cs typeface="Lato"/>
@@ -15014,7 +15014,7 @@
               <a:t>User-defined - </a:t>
             </a:r>
             <a:r>
-              <a:rPr lang="ru" sz="2400">
+              <a:rPr lang="ru" sz="2400" dirty="0">
                 <a:latin typeface="Lato"/>
                 <a:ea typeface="Lato"/>
                 <a:cs typeface="Lato"/>
@@ -15022,7 +15022,7 @@
               </a:rPr>
               <a:t>one created by the application developer to accomplish a specific task.</a:t>
             </a:r>
-            <a:endParaRPr sz="2400">
+            <a:endParaRPr sz="2400" dirty="0">
               <a:latin typeface="Lato"/>
               <a:ea typeface="Lato"/>
               <a:cs typeface="Lato"/>
@@ -15048,7 +15048,7 @@
               <a:buAutoNum type="arabicPeriod"/>
             </a:pPr>
             <a:r>
-              <a:rPr lang="ru" sz="2400" b="1">
+              <a:rPr lang="ru" sz="2400" b="1" dirty="0">
                 <a:latin typeface="Lato"/>
                 <a:ea typeface="Lato"/>
                 <a:cs typeface="Lato"/>
@@ -15057,7 +15057,7 @@
               <a:t>Daemon</a:t>
             </a:r>
             <a:r>
-              <a:rPr lang="ru" sz="2400">
+              <a:rPr lang="ru" sz="2400" dirty="0">
                 <a:latin typeface="Lato"/>
                 <a:ea typeface="Lato"/>
                 <a:cs typeface="Lato"/>
@@ -15065,7 +15065,7 @@
               </a:rPr>
               <a:t> - one that will not prevent the JVM from exiting when the program finishes. Both system and user-defined threads can be marked as daemon threads</a:t>
             </a:r>
-            <a:endParaRPr sz="2400">
+            <a:endParaRPr sz="2400" dirty="0">
               <a:latin typeface="Lato"/>
               <a:ea typeface="Lato"/>
               <a:cs typeface="Lato"/>
@@ -15086,7 +15086,7 @@
               <a:buSzPct val="100000"/>
               <a:buNone/>
             </a:pPr>
-            <a:endParaRPr/>
+            <a:endParaRPr dirty="0"/>
           </a:p>
         </p:txBody>
       </p:sp>
@@ -27985,7 +27985,60 @@
               </a:rPr>
               <a:t> </a:t>
             </a:r>
+          </a:p>
+          <a:p>
+            <a:pPr marL="457200" lvl="0" indent="-342900" algn="l" rtl="0">
+              <a:lnSpc>
+                <a:spcPct val="150000"/>
+              </a:lnSpc>
+              <a:spcBef>
+                <a:spcPts val="1200"/>
+              </a:spcBef>
+              <a:spcAft>
+                <a:spcPts val="0"/>
+              </a:spcAft>
+              <a:buSzPts val="1800"/>
+              <a:buChar char="●"/>
+            </a:pPr>
+            <a:r>
+              <a:rPr lang="en-US" b="1" dirty="0" err="1">
+                <a:hlinkClick r:id="rId4"/>
+              </a:rPr>
+              <a:t>CompletableFuture</a:t>
+            </a:r>
             <a:endParaRPr lang="en-US" b="1" dirty="0"/>
+          </a:p>
+        </p:txBody>
+      </p:sp>
+      <p:sp>
+        <p:nvSpPr>
+          <p:cNvPr id="2" name="TextBox 1">
+            <a:extLst>
+              <a:ext uri="{FF2B5EF4-FFF2-40B4-BE49-F238E27FC236}">
+                <a16:creationId xmlns:a16="http://schemas.microsoft.com/office/drawing/2014/main" id="{7DFE039E-99FD-2754-58FE-9F2E33BAB7C6}"/>
+              </a:ext>
+            </a:extLst>
+          </p:cNvPr>
+          <p:cNvSpPr txBox="1"/>
+          <p:nvPr/>
+        </p:nvSpPr>
+        <p:spPr>
+          <a:xfrm>
+            <a:off x="2473036" y="1655618"/>
+            <a:ext cx="184731" cy="307777"/>
+          </a:xfrm>
+          <a:prstGeom prst="rect">
+            <a:avLst/>
+          </a:prstGeom>
+          <a:noFill/>
+        </p:spPr>
+        <p:txBody>
+          <a:bodyPr wrap="none" rtlCol="0">
+            <a:spAutoFit/>
+          </a:bodyPr>
+          <a:lstStyle/>
+          <a:p>
+            <a:endParaRPr lang="en-US" dirty="0"/>
           </a:p>
         </p:txBody>
       </p:sp>
